--- a/Do it! HTML+CSS+자바스크립트 웹표준의 정석/17.pptx
+++ b/Do it! HTML+CSS+자바스크립트 웹표준의 정석/17.pptx
@@ -210,7 +210,7 @@
           <a:p>
             <a:fld id="{AA93C23F-80D8-41F7-A602-5BAA4D96D6F7}" type="datetimeFigureOut">
               <a:rPr lang="ko-KR" altLang="en-US" smtClean="0"/>
-              <a:t>2021-02-06</a:t>
+              <a:t>2025-06-05</a:t>
             </a:fld>
             <a:endParaRPr lang="ko-KR" altLang="en-US"/>
           </a:p>
@@ -508,7 +508,7 @@
           <a:p>
             <a:fld id="{AA93C23F-80D8-41F7-A602-5BAA4D96D6F7}" type="datetimeFigureOut">
               <a:rPr lang="ko-KR" altLang="en-US" smtClean="0"/>
-              <a:t>2021-02-06</a:t>
+              <a:t>2025-06-05</a:t>
             </a:fld>
             <a:endParaRPr lang="ko-KR" altLang="en-US"/>
           </a:p>
@@ -686,7 +686,7 @@
           <a:p>
             <a:fld id="{AA93C23F-80D8-41F7-A602-5BAA4D96D6F7}" type="datetimeFigureOut">
               <a:rPr lang="ko-KR" altLang="en-US" smtClean="0"/>
-              <a:t>2021-02-06</a:t>
+              <a:t>2025-06-05</a:t>
             </a:fld>
             <a:endParaRPr lang="ko-KR" altLang="en-US"/>
           </a:p>
@@ -894,7 +894,7 @@
           <a:p>
             <a:fld id="{7A0B29D9-43B6-4ACD-848D-FA6E666794B9}" type="datetimeFigureOut">
               <a:rPr lang="ko-KR" altLang="en-US" smtClean="0"/>
-              <a:t>2021-02-06</a:t>
+              <a:t>2025-06-05</a:t>
             </a:fld>
             <a:endParaRPr lang="ko-KR" altLang="en-US"/>
           </a:p>
@@ -1090,7 +1090,7 @@
           <a:p>
             <a:fld id="{AA93C23F-80D8-41F7-A602-5BAA4D96D6F7}" type="datetimeFigureOut">
               <a:rPr lang="ko-KR" altLang="en-US" smtClean="0"/>
-              <a:t>2021-02-06</a:t>
+              <a:t>2025-06-05</a:t>
             </a:fld>
             <a:endParaRPr lang="ko-KR" altLang="en-US"/>
           </a:p>
@@ -1335,7 +1335,7 @@
           <a:p>
             <a:fld id="{AA93C23F-80D8-41F7-A602-5BAA4D96D6F7}" type="datetimeFigureOut">
               <a:rPr lang="ko-KR" altLang="en-US" smtClean="0"/>
-              <a:t>2021-02-06</a:t>
+              <a:t>2025-06-05</a:t>
             </a:fld>
             <a:endParaRPr lang="ko-KR" altLang="en-US"/>
           </a:p>
@@ -1564,7 +1564,7 @@
           <a:p>
             <a:fld id="{AA93C23F-80D8-41F7-A602-5BAA4D96D6F7}" type="datetimeFigureOut">
               <a:rPr lang="ko-KR" altLang="en-US" smtClean="0"/>
-              <a:t>2021-02-06</a:t>
+              <a:t>2025-06-05</a:t>
             </a:fld>
             <a:endParaRPr lang="ko-KR" altLang="en-US"/>
           </a:p>
@@ -1928,7 +1928,7 @@
           <a:p>
             <a:fld id="{AA93C23F-80D8-41F7-A602-5BAA4D96D6F7}" type="datetimeFigureOut">
               <a:rPr lang="ko-KR" altLang="en-US" smtClean="0"/>
-              <a:t>2021-02-06</a:t>
+              <a:t>2025-06-05</a:t>
             </a:fld>
             <a:endParaRPr lang="ko-KR" altLang="en-US"/>
           </a:p>
@@ -2050,7 +2050,7 @@
           <a:p>
             <a:fld id="{AA93C23F-80D8-41F7-A602-5BAA4D96D6F7}" type="datetimeFigureOut">
               <a:rPr lang="ko-KR" altLang="en-US" smtClean="0"/>
-              <a:t>2021-02-06</a:t>
+              <a:t>2025-06-05</a:t>
             </a:fld>
             <a:endParaRPr lang="ko-KR" altLang="en-US"/>
           </a:p>
@@ -2145,7 +2145,7 @@
           <a:p>
             <a:fld id="{AA93C23F-80D8-41F7-A602-5BAA4D96D6F7}" type="datetimeFigureOut">
               <a:rPr lang="ko-KR" altLang="en-US" smtClean="0"/>
-              <a:t>2021-02-06</a:t>
+              <a:t>2025-06-05</a:t>
             </a:fld>
             <a:endParaRPr lang="ko-KR" altLang="en-US"/>
           </a:p>
@@ -2420,7 +2420,7 @@
           <a:p>
             <a:fld id="{AA93C23F-80D8-41F7-A602-5BAA4D96D6F7}" type="datetimeFigureOut">
               <a:rPr lang="ko-KR" altLang="en-US" smtClean="0"/>
-              <a:t>2021-02-06</a:t>
+              <a:t>2025-06-05</a:t>
             </a:fld>
             <a:endParaRPr lang="ko-KR" altLang="en-US"/>
           </a:p>
@@ -2675,7 +2675,7 @@
           <a:p>
             <a:fld id="{AA93C23F-80D8-41F7-A602-5BAA4D96D6F7}" type="datetimeFigureOut">
               <a:rPr lang="ko-KR" altLang="en-US" smtClean="0"/>
-              <a:t>2021-02-06</a:t>
+              <a:t>2025-06-05</a:t>
             </a:fld>
             <a:endParaRPr lang="ko-KR" altLang="en-US"/>
           </a:p>
@@ -2919,7 +2919,7 @@
           <a:p>
             <a:fld id="{AA93C23F-80D8-41F7-A602-5BAA4D96D6F7}" type="datetimeFigureOut">
               <a:rPr lang="ko-KR" altLang="en-US" smtClean="0"/>
-              <a:t>2021-02-06</a:t>
+              <a:t>2025-06-05</a:t>
             </a:fld>
             <a:endParaRPr lang="ko-KR" altLang="en-US"/>
           </a:p>
